--- a/SOA服务版本控制/服务版本控制.pptx
+++ b/SOA服务版本控制/服务版本控制.pptx
@@ -5,13 +5,14 @@
     <p:sldMasterId id="2147483660" r:id="rId1"/>
   </p:sldMasterIdLst>
   <p:notesMasterIdLst>
-    <p:notesMasterId r:id="rId6"/>
+    <p:notesMasterId r:id="rId7"/>
   </p:notesMasterIdLst>
   <p:sldIdLst>
     <p:sldId id="256" r:id="rId2"/>
     <p:sldId id="258" r:id="rId3"/>
     <p:sldId id="259" r:id="rId4"/>
-    <p:sldId id="257" r:id="rId5"/>
+    <p:sldId id="260" r:id="rId5"/>
+    <p:sldId id="257" r:id="rId6"/>
   </p:sldIdLst>
   <p:sldSz cx="9144000" cy="6858000" type="screen4x3"/>
   <p:notesSz cx="6858000" cy="9144000"/>
@@ -211,7 +212,7 @@
           <a:p>
             <a:fld id="{E45CAED5-394F-E941-8905-2F3D49560E04}" type="datetimeFigureOut">
               <a:rPr lang="en-US" smtClean="0"/>
-              <a:t>2/16/16</a:t>
+              <a:t>2/19/16</a:t>
             </a:fld>
             <a:endParaRPr lang="en-US"/>
           </a:p>
@@ -783,7 +784,7 @@
             <a:pPr algn="l" eaLnBrk="1" latinLnBrk="0" hangingPunct="1"/>
             <a:fld id="{48D92626-37D2-4832-BF7A-BC283494A20D}" type="datetimeFigureOut">
               <a:rPr lang="en-US" smtClean="0"/>
-              <a:t>2/16/16</a:t>
+              <a:t>2/19/16</a:t>
             </a:fld>
             <a:endParaRPr lang="en-US"/>
           </a:p>
@@ -984,7 +985,7 @@
           <a:p>
             <a:fld id="{48D92626-37D2-4832-BF7A-BC283494A20D}" type="datetimeFigureOut">
               <a:rPr lang="en-US" smtClean="0"/>
-              <a:t>2/16/16</a:t>
+              <a:t>2/19/16</a:t>
             </a:fld>
             <a:endParaRPr lang="en-US"/>
           </a:p>
@@ -1172,7 +1173,7 @@
           <a:p>
             <a:fld id="{48D92626-37D2-4832-BF7A-BC283494A20D}" type="datetimeFigureOut">
               <a:rPr lang="en-US" smtClean="0"/>
-              <a:t>2/16/16</a:t>
+              <a:t>2/19/16</a:t>
             </a:fld>
             <a:endParaRPr lang="en-US"/>
           </a:p>
@@ -1401,7 +1402,7 @@
           <a:p>
             <a:fld id="{48D92626-37D2-4832-BF7A-BC283494A20D}" type="datetimeFigureOut">
               <a:rPr lang="en-US" smtClean="0"/>
-              <a:t>2/16/16</a:t>
+              <a:t>2/19/16</a:t>
             </a:fld>
             <a:endParaRPr lang="en-US"/>
           </a:p>
@@ -1683,7 +1684,7 @@
             <a:pPr algn="l" eaLnBrk="1" latinLnBrk="0" hangingPunct="1"/>
             <a:fld id="{48D92626-37D2-4832-BF7A-BC283494A20D}" type="datetimeFigureOut">
               <a:rPr lang="en-US" smtClean="0"/>
-              <a:t>2/16/16</a:t>
+              <a:t>2/19/16</a:t>
             </a:fld>
             <a:endParaRPr lang="en-US"/>
           </a:p>
@@ -1978,7 +1979,7 @@
           <a:p>
             <a:fld id="{48D92626-37D2-4832-BF7A-BC283494A20D}" type="datetimeFigureOut">
               <a:rPr lang="en-US" smtClean="0"/>
-              <a:t>2/16/16</a:t>
+              <a:t>2/19/16</a:t>
             </a:fld>
             <a:endParaRPr lang="en-US"/>
           </a:p>
@@ -2532,7 +2533,7 @@
           <a:p>
             <a:fld id="{48D92626-37D2-4832-BF7A-BC283494A20D}" type="datetimeFigureOut">
               <a:rPr lang="en-US" smtClean="0"/>
-              <a:t>2/16/16</a:t>
+              <a:t>2/19/16</a:t>
             </a:fld>
             <a:endParaRPr lang="en-US"/>
           </a:p>
@@ -2663,7 +2664,7 @@
           <a:p>
             <a:fld id="{48D92626-37D2-4832-BF7A-BC283494A20D}" type="datetimeFigureOut">
               <a:rPr lang="en-US" smtClean="0"/>
-              <a:t>2/16/16</a:t>
+              <a:t>2/19/16</a:t>
             </a:fld>
             <a:endParaRPr lang="en-US"/>
           </a:p>
@@ -2813,7 +2814,7 @@
           <a:p>
             <a:fld id="{48D92626-37D2-4832-BF7A-BC283494A20D}" type="datetimeFigureOut">
               <a:rPr lang="en-US" smtClean="0"/>
-              <a:t>2/16/16</a:t>
+              <a:t>2/19/16</a:t>
             </a:fld>
             <a:endParaRPr lang="en-US"/>
           </a:p>
@@ -3135,7 +3136,7 @@
             <a:pPr algn="l" eaLnBrk="1" latinLnBrk="0" hangingPunct="1"/>
             <a:fld id="{48D92626-37D2-4832-BF7A-BC283494A20D}" type="datetimeFigureOut">
               <a:rPr lang="en-US" smtClean="0"/>
-              <a:t>2/16/16</a:t>
+              <a:t>2/19/16</a:t>
             </a:fld>
             <a:endParaRPr lang="en-US"/>
           </a:p>
@@ -3440,7 +3441,7 @@
             <a:pPr algn="l" eaLnBrk="1" latinLnBrk="0" hangingPunct="1"/>
             <a:fld id="{48D92626-37D2-4832-BF7A-BC283494A20D}" type="datetimeFigureOut">
               <a:rPr lang="en-US" smtClean="0"/>
-              <a:t>2/16/16</a:t>
+              <a:t>2/19/16</a:t>
             </a:fld>
             <a:endParaRPr lang="en-US"/>
           </a:p>
@@ -3701,7 +3702,7 @@
             <a:pPr algn="l" eaLnBrk="1" latinLnBrk="0" hangingPunct="1"/>
             <a:fld id="{48D92626-37D2-4832-BF7A-BC283494A20D}" type="datetimeFigureOut">
               <a:rPr lang="en-US" smtClean="0"/>
-              <a:t>2/16/16</a:t>
+              <a:t>2/19/16</a:t>
             </a:fld>
             <a:endParaRPr lang="en-US" sz="1300" dirty="0">
               <a:solidFill>
@@ -4368,7 +4369,6 @@
               <a:rPr kumimoji="1" lang="zh-CN" altLang="en-US" dirty="0"/>
               <a:t>，确保兼容升级。 </a:t>
             </a:r>
-            <a:endParaRPr kumimoji="1" lang="zh-CN" altLang="en-US" dirty="0"/>
           </a:p>
         </p:txBody>
       </p:sp>
@@ -4587,6 +4587,89 @@
           <a:lstStyle/>
           <a:p>
             <a:r>
+              <a:rPr kumimoji="1" lang="en-US" altLang="zh-CN" dirty="0" err="1" smtClean="0"/>
+              <a:t>Dubbo</a:t>
+            </a:r>
+            <a:r>
+              <a:rPr kumimoji="1" lang="zh-CN" altLang="en-US" dirty="0" smtClean="0"/>
+              <a:t>的版本</a:t>
+            </a:r>
+            <a:endParaRPr kumimoji="1" lang="zh-CN" altLang="en-US" dirty="0"/>
+          </a:p>
+        </p:txBody>
+      </p:sp>
+      <p:pic>
+        <p:nvPicPr>
+          <p:cNvPr id="4" name="内容占位符 3"/>
+          <p:cNvPicPr>
+            <a:picLocks noGrp="1" noChangeAspect="1"/>
+          </p:cNvPicPr>
+          <p:nvPr>
+            <p:ph idx="1"/>
+          </p:nvPr>
+        </p:nvPicPr>
+        <p:blipFill>
+          <a:blip r:embed="rId2"/>
+          <a:stretch>
+            <a:fillRect/>
+          </a:stretch>
+        </p:blipFill>
+        <p:spPr>
+          <a:xfrm>
+            <a:off x="457200" y="1978299"/>
+            <a:ext cx="8229600" cy="3861840"/>
+          </a:xfrm>
+          <a:prstGeom prst="rect">
+            <a:avLst/>
+          </a:prstGeom>
+        </p:spPr>
+      </p:pic>
+    </p:spTree>
+    <p:extLst>
+      <p:ext uri="{BB962C8B-B14F-4D97-AF65-F5344CB8AC3E}">
+        <p14:creationId xmlns:p14="http://schemas.microsoft.com/office/powerpoint/2010/main" val="749479706"/>
+      </p:ext>
+    </p:extLst>
+  </p:cSld>
+  <p:clrMapOvr>
+    <a:masterClrMapping/>
+  </p:clrMapOvr>
+</p:sld>
+</file>
+
+<file path=ppt/slides/slide5.xml><?xml version="1.0" encoding="utf-8"?>
+<p:sld xmlns:a="http://schemas.openxmlformats.org/drawingml/2006/main" xmlns:r="http://schemas.openxmlformats.org/officeDocument/2006/relationships" xmlns:p="http://schemas.openxmlformats.org/presentationml/2006/main">
+  <p:cSld>
+    <p:spTree>
+      <p:nvGrpSpPr>
+        <p:cNvPr id="1" name=""/>
+        <p:cNvGrpSpPr/>
+        <p:nvPr/>
+      </p:nvGrpSpPr>
+      <p:grpSpPr>
+        <a:xfrm>
+          <a:off x="0" y="0"/>
+          <a:ext cx="0" cy="0"/>
+          <a:chOff x="0" y="0"/>
+          <a:chExt cx="0" cy="0"/>
+        </a:xfrm>
+      </p:grpSpPr>
+      <p:sp>
+        <p:nvSpPr>
+          <p:cNvPr id="2" name="标题 1"/>
+          <p:cNvSpPr>
+            <a:spLocks noGrp="1"/>
+          </p:cNvSpPr>
+          <p:nvPr>
+            <p:ph type="title"/>
+          </p:nvPr>
+        </p:nvSpPr>
+        <p:spPr/>
+        <p:txBody>
+          <a:bodyPr/>
+          <a:lstStyle/>
+          <a:p>
+            <a:r>
               <a:rPr lang="en-US" altLang="zh-CN" dirty="0" smtClean="0"/>
               <a:t>FAQ</a:t>
             </a:r>
@@ -4648,14 +4731,14 @@
           </a:ln>
           <a:extLst>
             <a:ext uri="{909E8E84-426E-40dd-AFC4-6F175D3DCCD1}">
-              <a14:hiddenFill xmlns="" xmlns:a14="http://schemas.microsoft.com/office/drawing/2010/main">
+              <a14:hiddenFill xmlns:a14="http://schemas.microsoft.com/office/drawing/2010/main" xmlns="">
                 <a:solidFill>
                   <a:schemeClr val="accent1"/>
                 </a:solidFill>
               </a14:hiddenFill>
             </a:ext>
             <a:ext uri="{91240B29-F687-4f45-9708-019B960494DF}">
-              <a14:hiddenLine xmlns="" xmlns:a14="http://schemas.microsoft.com/office/drawing/2010/main" w="9525">
+              <a14:hiddenLine xmlns:a14="http://schemas.microsoft.com/office/drawing/2010/main" xmlns="" w="9525">
                 <a:solidFill>
                   <a:schemeClr val="tx1"/>
                 </a:solidFill>
